--- a/doc/ontolex-f2f-leipzig-may2019.pptx
+++ b/doc/ontolex-f2f-leipzig-may2019.pptx
@@ -6,10 +6,10 @@
     <p:sldMasterId id="2147483664" r:id="rId2"/>
   </p:sldMasterIdLst>
   <p:notesMasterIdLst>
-    <p:notesMasterId r:id="rId57"/>
+    <p:notesMasterId r:id="rId62"/>
   </p:notesMasterIdLst>
   <p:handoutMasterIdLst>
-    <p:handoutMasterId r:id="rId58"/>
+    <p:handoutMasterId r:id="rId63"/>
   </p:handoutMasterIdLst>
   <p:sldIdLst>
     <p:sldId id="716" r:id="rId3"/>
@@ -66,6 +66,11 @@
     <p:sldId id="864" r:id="rId54"/>
     <p:sldId id="877" r:id="rId55"/>
     <p:sldId id="879" r:id="rId56"/>
+    <p:sldId id="882" r:id="rId57"/>
+    <p:sldId id="883" r:id="rId58"/>
+    <p:sldId id="884" r:id="rId59"/>
+    <p:sldId id="885" r:id="rId60"/>
+    <p:sldId id="886" r:id="rId61"/>
   </p:sldIdLst>
   <p:sldSz cx="9144000" cy="6858000" type="screen4x3"/>
   <p:notesSz cx="6797675" cy="9926638"/>
@@ -273,6 +278,11 @@
           <p14:sldIdLst>
             <p14:sldId id="877"/>
             <p14:sldId id="879"/>
+            <p14:sldId id="882"/>
+            <p14:sldId id="883"/>
+            <p14:sldId id="884"/>
+            <p14:sldId id="885"/>
+            <p14:sldId id="886"/>
           </p14:sldIdLst>
         </p14:section>
       </p14:sectionLst>
@@ -39700,6 +39710,1170 @@
     <p:extLst>
       <p:ext uri="{BB962C8B-B14F-4D97-AF65-F5344CB8AC3E}">
         <p14:creationId xmlns:p14="http://schemas.microsoft.com/office/powerpoint/2010/main" val="1531131721"/>
+      </p:ext>
+    </p:extLst>
+  </p:cSld>
+  <p:clrMapOvr>
+    <a:masterClrMapping/>
+  </p:clrMapOvr>
+</p:sld>
+</file>
+
+<file path=ppt/slides/slide55.xml><?xml version="1.0" encoding="utf-8"?>
+<p:sld xmlns:a="http://schemas.openxmlformats.org/drawingml/2006/main" xmlns:r="http://schemas.openxmlformats.org/officeDocument/2006/relationships" xmlns:p="http://schemas.openxmlformats.org/presentationml/2006/main">
+  <p:cSld>
+    <p:spTree>
+      <p:nvGrpSpPr>
+        <p:cNvPr id="1" name=""/>
+        <p:cNvGrpSpPr/>
+        <p:nvPr/>
+      </p:nvGrpSpPr>
+      <p:grpSpPr>
+        <a:xfrm>
+          <a:off x="0" y="0"/>
+          <a:ext cx="0" cy="0"/>
+          <a:chOff x="0" y="0"/>
+          <a:chExt cx="0" cy="0"/>
+        </a:xfrm>
+      </p:grpSpPr>
+      <p:sp>
+        <p:nvSpPr>
+          <p:cNvPr id="2" name="Title 1">
+            <a:extLst>
+              <a:ext uri="{FF2B5EF4-FFF2-40B4-BE49-F238E27FC236}">
+                <a16:creationId xmlns:a16="http://schemas.microsoft.com/office/drawing/2014/main" id="{BD596CDA-A4F3-684B-B5CF-A6AF189BF255}"/>
+              </a:ext>
+            </a:extLst>
+          </p:cNvPr>
+          <p:cNvSpPr>
+            <a:spLocks noGrp="1"/>
+          </p:cNvSpPr>
+          <p:nvPr>
+            <p:ph type="title"/>
+          </p:nvPr>
+        </p:nvSpPr>
+        <p:spPr>
+          <a:xfrm>
+            <a:off x="457200" y="260350"/>
+            <a:ext cx="8229600" cy="1139825"/>
+          </a:xfrm>
+        </p:spPr>
+        <p:txBody>
+          <a:bodyPr/>
+          <a:lstStyle/>
+          <a:p>
+            <a:r>
+              <a:rPr lang="en-US" dirty="0"/>
+              <a:t>Some more details</a:t>
+            </a:r>
+          </a:p>
+        </p:txBody>
+      </p:sp>
+      <p:sp>
+        <p:nvSpPr>
+          <p:cNvPr id="4" name="Slide Number Placeholder 3">
+            <a:extLst>
+              <a:ext uri="{FF2B5EF4-FFF2-40B4-BE49-F238E27FC236}">
+                <a16:creationId xmlns:a16="http://schemas.microsoft.com/office/drawing/2014/main" id="{9C138A18-8831-AA4D-A388-72E00207EFC1}"/>
+              </a:ext>
+            </a:extLst>
+          </p:cNvPr>
+          <p:cNvSpPr>
+            <a:spLocks noGrp="1"/>
+          </p:cNvSpPr>
+          <p:nvPr>
+            <p:ph type="sldNum" sz="quarter" idx="4"/>
+          </p:nvPr>
+        </p:nvSpPr>
+        <p:spPr>
+          <a:xfrm>
+            <a:off x="7010400" y="6380922"/>
+            <a:ext cx="2133600" cy="457200"/>
+          </a:xfrm>
+        </p:spPr>
+        <p:txBody>
+          <a:bodyPr/>
+          <a:lstStyle/>
+          <a:p>
+            <a:fld id="{DF4DF032-40E7-4198-BBCB-DA8E7ED0C5DD}" type="slidenum">
+              <a:rPr lang="de-DE" altLang="en-US" smtClean="0"/>
+              <a:pPr/>
+              <a:t>55</a:t>
+            </a:fld>
+            <a:endParaRPr lang="de-DE" altLang="en-US"/>
+          </a:p>
+        </p:txBody>
+      </p:sp>
+    </p:spTree>
+    <p:extLst>
+      <p:ext uri="{BB962C8B-B14F-4D97-AF65-F5344CB8AC3E}">
+        <p14:creationId xmlns:p14="http://schemas.microsoft.com/office/powerpoint/2010/main" val="1223376280"/>
+      </p:ext>
+    </p:extLst>
+  </p:cSld>
+  <p:clrMapOvr>
+    <a:masterClrMapping/>
+  </p:clrMapOvr>
+</p:sld>
+</file>
+
+<file path=ppt/slides/slide56.xml><?xml version="1.0" encoding="utf-8"?>
+<p:sld xmlns:a="http://schemas.openxmlformats.org/drawingml/2006/main" xmlns:r="http://schemas.openxmlformats.org/officeDocument/2006/relationships" xmlns:p="http://schemas.openxmlformats.org/presentationml/2006/main">
+  <p:cSld>
+    <p:spTree>
+      <p:nvGrpSpPr>
+        <p:cNvPr id="1" name=""/>
+        <p:cNvGrpSpPr/>
+        <p:nvPr/>
+      </p:nvGrpSpPr>
+      <p:grpSpPr>
+        <a:xfrm>
+          <a:off x="0" y="0"/>
+          <a:ext cx="0" cy="0"/>
+          <a:chOff x="0" y="0"/>
+          <a:chExt cx="0" cy="0"/>
+        </a:xfrm>
+      </p:grpSpPr>
+      <p:sp>
+        <p:nvSpPr>
+          <p:cNvPr id="2" name="Title 1"/>
+          <p:cNvSpPr>
+            <a:spLocks noGrp="1"/>
+          </p:cNvSpPr>
+          <p:nvPr>
+            <p:ph type="title"/>
+          </p:nvPr>
+        </p:nvSpPr>
+        <p:spPr/>
+        <p:txBody>
+          <a:bodyPr/>
+          <a:lstStyle/>
+          <a:p>
+            <a:r>
+              <a:rPr lang="de-DE" dirty="0"/>
+              <a:t>Corpus Frequency</a:t>
+            </a:r>
+          </a:p>
+        </p:txBody>
+      </p:sp>
+      <p:sp>
+        <p:nvSpPr>
+          <p:cNvPr id="4" name="Slide Number Placeholder 3"/>
+          <p:cNvSpPr>
+            <a:spLocks noGrp="1"/>
+          </p:cNvSpPr>
+          <p:nvPr>
+            <p:ph type="sldNum" sz="quarter" idx="4"/>
+          </p:nvPr>
+        </p:nvSpPr>
+        <p:spPr/>
+        <p:txBody>
+          <a:bodyPr/>
+          <a:lstStyle/>
+          <a:p>
+            <a:fld id="{DF4DF032-40E7-4198-BBCB-DA8E7ED0C5DD}" type="slidenum">
+              <a:rPr lang="de-DE" altLang="en-US" smtClean="0"/>
+              <a:pPr/>
+              <a:t>56</a:t>
+            </a:fld>
+            <a:endParaRPr lang="de-DE" altLang="en-US"/>
+          </a:p>
+        </p:txBody>
+      </p:sp>
+      <p:pic>
+        <p:nvPicPr>
+          <p:cNvPr id="4099" name="Picture 3"/>
+          <p:cNvPicPr>
+            <a:picLocks noChangeAspect="1" noChangeArrowheads="1"/>
+          </p:cNvPicPr>
+          <p:nvPr/>
+        </p:nvPicPr>
+        <p:blipFill>
+          <a:blip r:embed="rId2">
+            <a:extLst>
+              <a:ext uri="{28A0092B-C50C-407E-A947-70E740481C1C}">
+                <a14:useLocalDpi xmlns:a14="http://schemas.microsoft.com/office/drawing/2010/main" val="0"/>
+              </a:ext>
+            </a:extLst>
+          </a:blip>
+          <a:srcRect/>
+          <a:stretch>
+            <a:fillRect/>
+          </a:stretch>
+        </p:blipFill>
+        <p:spPr bwMode="auto">
+          <a:xfrm>
+            <a:off x="685800" y="1371600"/>
+            <a:ext cx="6696075" cy="4571224"/>
+          </a:xfrm>
+          <a:prstGeom prst="rect">
+            <a:avLst/>
+          </a:prstGeom>
+          <a:noFill/>
+          <a:ln>
+            <a:noFill/>
+          </a:ln>
+          <a:effectLst/>
+          <a:extLst>
+            <a:ext uri="{909E8E84-426E-40DD-AFC4-6F175D3DCCD1}">
+              <a14:hiddenFill xmlns:a14="http://schemas.microsoft.com/office/drawing/2010/main">
+                <a:solidFill>
+                  <a:schemeClr val="accent1"/>
+                </a:solidFill>
+              </a14:hiddenFill>
+            </a:ext>
+            <a:ext uri="{91240B29-F687-4F45-9708-019B960494DF}">
+              <a14:hiddenLine xmlns:a14="http://schemas.microsoft.com/office/drawing/2010/main" w="9525">
+                <a:solidFill>
+                  <a:schemeClr val="tx1"/>
+                </a:solidFill>
+                <a:miter lim="800000"/>
+                <a:headEnd/>
+                <a:tailEnd/>
+              </a14:hiddenLine>
+            </a:ext>
+            <a:ext uri="{AF507438-7753-43E0-B8FC-AC1667EBCBE1}">
+              <a14:hiddenEffects xmlns:a14="http://schemas.microsoft.com/office/drawing/2010/main">
+                <a:effectLst>
+                  <a:outerShdw dist="35921" dir="2700000" algn="ctr" rotWithShape="0">
+                    <a:schemeClr val="bg2"/>
+                  </a:outerShdw>
+                </a:effectLst>
+              </a14:hiddenEffects>
+            </a:ext>
+          </a:extLst>
+        </p:spPr>
+      </p:pic>
+      <p:grpSp>
+        <p:nvGrpSpPr>
+          <p:cNvPr id="7" name="Group 6"/>
+          <p:cNvGrpSpPr/>
+          <p:nvPr/>
+        </p:nvGrpSpPr>
+        <p:grpSpPr>
+          <a:xfrm>
+            <a:off x="7010400" y="76200"/>
+            <a:ext cx="2016483" cy="762000"/>
+            <a:chOff x="6705600" y="76200"/>
+            <a:chExt cx="2321283" cy="990600"/>
+          </a:xfrm>
+        </p:grpSpPr>
+        <p:sp>
+          <p:nvSpPr>
+            <p:cNvPr id="8" name="Oval 7"/>
+            <p:cNvSpPr/>
+            <p:nvPr/>
+          </p:nvSpPr>
+          <p:spPr>
+            <a:xfrm>
+              <a:off x="6858000" y="130278"/>
+              <a:ext cx="2168883" cy="228600"/>
+            </a:xfrm>
+            <a:prstGeom prst="ellipse">
+              <a:avLst/>
+            </a:prstGeom>
+            <a:solidFill>
+              <a:srgbClr val="FFFFFF"/>
+            </a:solidFill>
+            <a:ln>
+              <a:noFill/>
+            </a:ln>
+          </p:spPr>
+          <p:style>
+            <a:lnRef idx="2">
+              <a:schemeClr val="accent1">
+                <a:shade val="50000"/>
+              </a:schemeClr>
+            </a:lnRef>
+            <a:fillRef idx="1">
+              <a:schemeClr val="accent1"/>
+            </a:fillRef>
+            <a:effectRef idx="0">
+              <a:schemeClr val="accent1"/>
+            </a:effectRef>
+            <a:fontRef idx="minor">
+              <a:schemeClr val="lt1"/>
+            </a:fontRef>
+          </p:style>
+          <p:txBody>
+            <a:bodyPr rtlCol="0" anchor="ctr"/>
+            <a:lstStyle/>
+            <a:p>
+              <a:pPr algn="ctr"/>
+              <a:endParaRPr lang="de-DE"/>
+            </a:p>
+          </p:txBody>
+        </p:sp>
+        <p:pic>
+          <p:nvPicPr>
+            <p:cNvPr id="9" name="Picture 2" descr="http://acoli.informatik.uni-frankfurt.de/img/acoli-lowres.png"/>
+            <p:cNvPicPr>
+              <a:picLocks noChangeAspect="1" noChangeArrowheads="1"/>
+            </p:cNvPicPr>
+            <p:nvPr/>
+          </p:nvPicPr>
+          <p:blipFill>
+            <a:blip r:embed="rId3" cstate="print">
+              <a:duotone>
+                <a:schemeClr val="accent1">
+                  <a:shade val="45000"/>
+                  <a:satMod val="135000"/>
+                </a:schemeClr>
+                <a:prstClr val="white"/>
+              </a:duotone>
+              <a:extLst>
+                <a:ext uri="{28A0092B-C50C-407E-A947-70E740481C1C}">
+                  <a14:useLocalDpi xmlns:a14="http://schemas.microsoft.com/office/drawing/2010/main" val="0"/>
+                </a:ext>
+              </a:extLst>
+            </a:blip>
+            <a:srcRect/>
+            <a:stretch>
+              <a:fillRect/>
+            </a:stretch>
+          </p:blipFill>
+          <p:spPr bwMode="auto">
+            <a:xfrm>
+              <a:off x="6705600" y="76200"/>
+              <a:ext cx="2321283" cy="990600"/>
+            </a:xfrm>
+            <a:prstGeom prst="rect">
+              <a:avLst/>
+            </a:prstGeom>
+            <a:noFill/>
+            <a:extLst>
+              <a:ext uri="{909E8E84-426E-40DD-AFC4-6F175D3DCCD1}">
+                <a14:hiddenFill xmlns:a14="http://schemas.microsoft.com/office/drawing/2010/main">
+                  <a:solidFill>
+                    <a:srgbClr val="FFFFFF"/>
+                  </a:solidFill>
+                </a14:hiddenFill>
+              </a:ext>
+            </a:extLst>
+          </p:spPr>
+        </p:pic>
+      </p:grpSp>
+    </p:spTree>
+    <p:extLst>
+      <p:ext uri="{BB962C8B-B14F-4D97-AF65-F5344CB8AC3E}">
+        <p14:creationId xmlns:p14="http://schemas.microsoft.com/office/powerpoint/2010/main" val="138823708"/>
+      </p:ext>
+    </p:extLst>
+  </p:cSld>
+  <p:clrMapOvr>
+    <a:masterClrMapping/>
+  </p:clrMapOvr>
+</p:sld>
+</file>
+
+<file path=ppt/slides/slide57.xml><?xml version="1.0" encoding="utf-8"?>
+<p:sld xmlns:a="http://schemas.openxmlformats.org/drawingml/2006/main" xmlns:r="http://schemas.openxmlformats.org/officeDocument/2006/relationships" xmlns:p="http://schemas.openxmlformats.org/presentationml/2006/main">
+  <p:cSld>
+    <p:spTree>
+      <p:nvGrpSpPr>
+        <p:cNvPr id="1" name=""/>
+        <p:cNvGrpSpPr/>
+        <p:nvPr/>
+      </p:nvGrpSpPr>
+      <p:grpSpPr>
+        <a:xfrm>
+          <a:off x="0" y="0"/>
+          <a:ext cx="0" cy="0"/>
+          <a:chOff x="0" y="0"/>
+          <a:chExt cx="0" cy="0"/>
+        </a:xfrm>
+      </p:grpSpPr>
+      <p:sp>
+        <p:nvSpPr>
+          <p:cNvPr id="2" name="Title 1"/>
+          <p:cNvSpPr>
+            <a:spLocks noGrp="1"/>
+          </p:cNvSpPr>
+          <p:nvPr>
+            <p:ph type="title"/>
+          </p:nvPr>
+        </p:nvSpPr>
+        <p:spPr/>
+        <p:txBody>
+          <a:bodyPr/>
+          <a:lstStyle/>
+          <a:p>
+            <a:r>
+              <a:rPr lang="de-DE" dirty="0"/>
+              <a:t>Simplifications</a:t>
+            </a:r>
+          </a:p>
+        </p:txBody>
+      </p:sp>
+      <p:sp>
+        <p:nvSpPr>
+          <p:cNvPr id="3" name="Content Placeholder 2"/>
+          <p:cNvSpPr>
+            <a:spLocks noGrp="1"/>
+          </p:cNvSpPr>
+          <p:nvPr>
+            <p:ph idx="1"/>
+          </p:nvPr>
+        </p:nvSpPr>
+        <p:spPr>
+          <a:xfrm>
+            <a:off x="457200" y="1600201"/>
+            <a:ext cx="8229600" cy="1295400"/>
+          </a:xfrm>
+        </p:spPr>
+        <p:txBody>
+          <a:bodyPr/>
+          <a:lstStyle/>
+          <a:p>
+            <a:pPr marL="0" indent="0">
+              <a:buNone/>
+            </a:pPr>
+            <a:r>
+              <a:rPr lang="de-DE" dirty="0"/>
+              <a:t>introduce corpus-specific frequency classes</a:t>
+            </a:r>
+          </a:p>
+        </p:txBody>
+      </p:sp>
+      <p:sp>
+        <p:nvSpPr>
+          <p:cNvPr id="4" name="Slide Number Placeholder 3"/>
+          <p:cNvSpPr>
+            <a:spLocks noGrp="1"/>
+          </p:cNvSpPr>
+          <p:nvPr>
+            <p:ph type="sldNum" sz="quarter" idx="4"/>
+          </p:nvPr>
+        </p:nvSpPr>
+        <p:spPr/>
+        <p:txBody>
+          <a:bodyPr/>
+          <a:lstStyle/>
+          <a:p>
+            <a:fld id="{DF4DF032-40E7-4198-BBCB-DA8E7ED0C5DD}" type="slidenum">
+              <a:rPr lang="de-DE" altLang="en-US" smtClean="0"/>
+              <a:pPr/>
+              <a:t>57</a:t>
+            </a:fld>
+            <a:endParaRPr lang="de-DE" altLang="en-US"/>
+          </a:p>
+        </p:txBody>
+      </p:sp>
+      <p:pic>
+        <p:nvPicPr>
+          <p:cNvPr id="5122" name="Picture 2"/>
+          <p:cNvPicPr>
+            <a:picLocks noChangeAspect="1" noChangeArrowheads="1"/>
+          </p:cNvPicPr>
+          <p:nvPr/>
+        </p:nvPicPr>
+        <p:blipFill>
+          <a:blip r:embed="rId2">
+            <a:extLst>
+              <a:ext uri="{28A0092B-C50C-407E-A947-70E740481C1C}">
+                <a14:useLocalDpi xmlns:a14="http://schemas.microsoft.com/office/drawing/2010/main" val="0"/>
+              </a:ext>
+            </a:extLst>
+          </a:blip>
+          <a:srcRect/>
+          <a:stretch>
+            <a:fillRect/>
+          </a:stretch>
+        </p:blipFill>
+        <p:spPr bwMode="auto">
+          <a:xfrm>
+            <a:off x="685800" y="3276600"/>
+            <a:ext cx="7953850" cy="2819400"/>
+          </a:xfrm>
+          <a:prstGeom prst="rect">
+            <a:avLst/>
+          </a:prstGeom>
+          <a:noFill/>
+          <a:ln>
+            <a:noFill/>
+          </a:ln>
+          <a:effectLst/>
+          <a:extLst>
+            <a:ext uri="{909E8E84-426E-40DD-AFC4-6F175D3DCCD1}">
+              <a14:hiddenFill xmlns:a14="http://schemas.microsoft.com/office/drawing/2010/main">
+                <a:solidFill>
+                  <a:schemeClr val="accent1"/>
+                </a:solidFill>
+              </a14:hiddenFill>
+            </a:ext>
+            <a:ext uri="{91240B29-F687-4F45-9708-019B960494DF}">
+              <a14:hiddenLine xmlns:a14="http://schemas.microsoft.com/office/drawing/2010/main" w="9525">
+                <a:solidFill>
+                  <a:schemeClr val="tx1"/>
+                </a:solidFill>
+                <a:miter lim="800000"/>
+                <a:headEnd/>
+                <a:tailEnd/>
+              </a14:hiddenLine>
+            </a:ext>
+            <a:ext uri="{AF507438-7753-43E0-B8FC-AC1667EBCBE1}">
+              <a14:hiddenEffects xmlns:a14="http://schemas.microsoft.com/office/drawing/2010/main">
+                <a:effectLst>
+                  <a:outerShdw dist="35921" dir="2700000" algn="ctr" rotWithShape="0">
+                    <a:schemeClr val="bg2"/>
+                  </a:outerShdw>
+                </a:effectLst>
+              </a14:hiddenEffects>
+            </a:ext>
+          </a:extLst>
+        </p:spPr>
+      </p:pic>
+      <p:grpSp>
+        <p:nvGrpSpPr>
+          <p:cNvPr id="6" name="Group 5"/>
+          <p:cNvGrpSpPr/>
+          <p:nvPr/>
+        </p:nvGrpSpPr>
+        <p:grpSpPr>
+          <a:xfrm>
+            <a:off x="7010400" y="76200"/>
+            <a:ext cx="2016483" cy="762000"/>
+            <a:chOff x="6705600" y="76200"/>
+            <a:chExt cx="2321283" cy="990600"/>
+          </a:xfrm>
+        </p:grpSpPr>
+        <p:sp>
+          <p:nvSpPr>
+            <p:cNvPr id="7" name="Oval 6"/>
+            <p:cNvSpPr/>
+            <p:nvPr/>
+          </p:nvSpPr>
+          <p:spPr>
+            <a:xfrm>
+              <a:off x="6858000" y="130278"/>
+              <a:ext cx="2168883" cy="228600"/>
+            </a:xfrm>
+            <a:prstGeom prst="ellipse">
+              <a:avLst/>
+            </a:prstGeom>
+            <a:solidFill>
+              <a:srgbClr val="FFFFFF"/>
+            </a:solidFill>
+            <a:ln>
+              <a:noFill/>
+            </a:ln>
+          </p:spPr>
+          <p:style>
+            <a:lnRef idx="2">
+              <a:schemeClr val="accent1">
+                <a:shade val="50000"/>
+              </a:schemeClr>
+            </a:lnRef>
+            <a:fillRef idx="1">
+              <a:schemeClr val="accent1"/>
+            </a:fillRef>
+            <a:effectRef idx="0">
+              <a:schemeClr val="accent1"/>
+            </a:effectRef>
+            <a:fontRef idx="minor">
+              <a:schemeClr val="lt1"/>
+            </a:fontRef>
+          </p:style>
+          <p:txBody>
+            <a:bodyPr rtlCol="0" anchor="ctr"/>
+            <a:lstStyle/>
+            <a:p>
+              <a:pPr algn="ctr"/>
+              <a:endParaRPr lang="de-DE"/>
+            </a:p>
+          </p:txBody>
+        </p:sp>
+        <p:pic>
+          <p:nvPicPr>
+            <p:cNvPr id="8" name="Picture 2" descr="http://acoli.informatik.uni-frankfurt.de/img/acoli-lowres.png"/>
+            <p:cNvPicPr>
+              <a:picLocks noChangeAspect="1" noChangeArrowheads="1"/>
+            </p:cNvPicPr>
+            <p:nvPr/>
+          </p:nvPicPr>
+          <p:blipFill>
+            <a:blip r:embed="rId3" cstate="print">
+              <a:duotone>
+                <a:schemeClr val="accent1">
+                  <a:shade val="45000"/>
+                  <a:satMod val="135000"/>
+                </a:schemeClr>
+                <a:prstClr val="white"/>
+              </a:duotone>
+              <a:extLst>
+                <a:ext uri="{28A0092B-C50C-407E-A947-70E740481C1C}">
+                  <a14:useLocalDpi xmlns:a14="http://schemas.microsoft.com/office/drawing/2010/main" val="0"/>
+                </a:ext>
+              </a:extLst>
+            </a:blip>
+            <a:srcRect/>
+            <a:stretch>
+              <a:fillRect/>
+            </a:stretch>
+          </p:blipFill>
+          <p:spPr bwMode="auto">
+            <a:xfrm>
+              <a:off x="6705600" y="76200"/>
+              <a:ext cx="2321283" cy="990600"/>
+            </a:xfrm>
+            <a:prstGeom prst="rect">
+              <a:avLst/>
+            </a:prstGeom>
+            <a:noFill/>
+            <a:extLst>
+              <a:ext uri="{909E8E84-426E-40DD-AFC4-6F175D3DCCD1}">
+                <a14:hiddenFill xmlns:a14="http://schemas.microsoft.com/office/drawing/2010/main">
+                  <a:solidFill>
+                    <a:srgbClr val="FFFFFF"/>
+                  </a:solidFill>
+                </a14:hiddenFill>
+              </a:ext>
+            </a:extLst>
+          </p:spPr>
+        </p:pic>
+      </p:grpSp>
+    </p:spTree>
+    <p:extLst>
+      <p:ext uri="{BB962C8B-B14F-4D97-AF65-F5344CB8AC3E}">
+        <p14:creationId xmlns:p14="http://schemas.microsoft.com/office/powerpoint/2010/main" val="2866856819"/>
+      </p:ext>
+    </p:extLst>
+  </p:cSld>
+  <p:clrMapOvr>
+    <a:masterClrMapping/>
+  </p:clrMapOvr>
+</p:sld>
+</file>
+
+<file path=ppt/slides/slide58.xml><?xml version="1.0" encoding="utf-8"?>
+<p:sld xmlns:a="http://schemas.openxmlformats.org/drawingml/2006/main" xmlns:r="http://schemas.openxmlformats.org/officeDocument/2006/relationships" xmlns:p="http://schemas.openxmlformats.org/presentationml/2006/main">
+  <p:cSld>
+    <p:spTree>
+      <p:nvGrpSpPr>
+        <p:cNvPr id="1" name=""/>
+        <p:cNvGrpSpPr/>
+        <p:nvPr/>
+      </p:nvGrpSpPr>
+      <p:grpSpPr>
+        <a:xfrm>
+          <a:off x="0" y="0"/>
+          <a:ext cx="0" cy="0"/>
+          <a:chOff x="0" y="0"/>
+          <a:chExt cx="0" cy="0"/>
+        </a:xfrm>
+      </p:grpSpPr>
+      <p:sp>
+        <p:nvSpPr>
+          <p:cNvPr id="2" name="Title 1"/>
+          <p:cNvSpPr>
+            <a:spLocks noGrp="1"/>
+          </p:cNvSpPr>
+          <p:nvPr>
+            <p:ph type="title"/>
+          </p:nvPr>
+        </p:nvSpPr>
+        <p:spPr/>
+        <p:txBody>
+          <a:bodyPr/>
+          <a:lstStyle/>
+          <a:p>
+            <a:r>
+              <a:rPr lang="de-DE" dirty="0"/>
+              <a:t>Simplifications</a:t>
+            </a:r>
+          </a:p>
+        </p:txBody>
+      </p:sp>
+      <p:sp>
+        <p:nvSpPr>
+          <p:cNvPr id="4" name="Slide Number Placeholder 3"/>
+          <p:cNvSpPr>
+            <a:spLocks noGrp="1"/>
+          </p:cNvSpPr>
+          <p:nvPr>
+            <p:ph type="sldNum" sz="quarter" idx="4"/>
+          </p:nvPr>
+        </p:nvSpPr>
+        <p:spPr/>
+        <p:txBody>
+          <a:bodyPr/>
+          <a:lstStyle/>
+          <a:p>
+            <a:fld id="{DF4DF032-40E7-4198-BBCB-DA8E7ED0C5DD}" type="slidenum">
+              <a:rPr lang="de-DE" altLang="en-US" smtClean="0"/>
+              <a:pPr/>
+              <a:t>58</a:t>
+            </a:fld>
+            <a:endParaRPr lang="de-DE" altLang="en-US"/>
+          </a:p>
+        </p:txBody>
+      </p:sp>
+      <p:pic>
+        <p:nvPicPr>
+          <p:cNvPr id="6146" name="Picture 2"/>
+          <p:cNvPicPr>
+            <a:picLocks noChangeAspect="1" noChangeArrowheads="1"/>
+          </p:cNvPicPr>
+          <p:nvPr/>
+        </p:nvPicPr>
+        <p:blipFill>
+          <a:blip r:embed="rId2">
+            <a:extLst>
+              <a:ext uri="{28A0092B-C50C-407E-A947-70E740481C1C}">
+                <a14:useLocalDpi xmlns:a14="http://schemas.microsoft.com/office/drawing/2010/main" val="0"/>
+              </a:ext>
+            </a:extLst>
+          </a:blip>
+          <a:srcRect/>
+          <a:stretch>
+            <a:fillRect/>
+          </a:stretch>
+        </p:blipFill>
+        <p:spPr bwMode="auto">
+          <a:xfrm>
+            <a:off x="695325" y="2943225"/>
+            <a:ext cx="7753350" cy="3381375"/>
+          </a:xfrm>
+          <a:prstGeom prst="rect">
+            <a:avLst/>
+          </a:prstGeom>
+          <a:noFill/>
+          <a:ln>
+            <a:noFill/>
+          </a:ln>
+          <a:effectLst/>
+          <a:extLst>
+            <a:ext uri="{909E8E84-426E-40DD-AFC4-6F175D3DCCD1}">
+              <a14:hiddenFill xmlns:a14="http://schemas.microsoft.com/office/drawing/2010/main">
+                <a:solidFill>
+                  <a:schemeClr val="accent1"/>
+                </a:solidFill>
+              </a14:hiddenFill>
+            </a:ext>
+            <a:ext uri="{91240B29-F687-4F45-9708-019B960494DF}">
+              <a14:hiddenLine xmlns:a14="http://schemas.microsoft.com/office/drawing/2010/main" w="9525">
+                <a:solidFill>
+                  <a:schemeClr val="tx1"/>
+                </a:solidFill>
+                <a:miter lim="800000"/>
+                <a:headEnd/>
+                <a:tailEnd/>
+              </a14:hiddenLine>
+            </a:ext>
+            <a:ext uri="{AF507438-7753-43E0-B8FC-AC1667EBCBE1}">
+              <a14:hiddenEffects xmlns:a14="http://schemas.microsoft.com/office/drawing/2010/main">
+                <a:effectLst>
+                  <a:outerShdw dist="35921" dir="2700000" algn="ctr" rotWithShape="0">
+                    <a:schemeClr val="bg2"/>
+                  </a:outerShdw>
+                </a:effectLst>
+              </a14:hiddenEffects>
+            </a:ext>
+          </a:extLst>
+        </p:spPr>
+      </p:pic>
+      <p:sp>
+        <p:nvSpPr>
+          <p:cNvPr id="6" name="Content Placeholder 2"/>
+          <p:cNvSpPr>
+            <a:spLocks noGrp="1"/>
+          </p:cNvSpPr>
+          <p:nvPr>
+            <p:ph idx="1"/>
+          </p:nvPr>
+        </p:nvSpPr>
+        <p:spPr>
+          <a:xfrm>
+            <a:off x="457200" y="1600201"/>
+            <a:ext cx="8229600" cy="1295400"/>
+          </a:xfrm>
+        </p:spPr>
+        <p:txBody>
+          <a:bodyPr/>
+          <a:lstStyle/>
+          <a:p>
+            <a:pPr marL="0" indent="0">
+              <a:buNone/>
+            </a:pPr>
+            <a:r>
+              <a:rPr lang="de-DE" dirty="0"/>
+              <a:t>additional restrictions =&gt; frequency classes for specific sub-corpora</a:t>
+            </a:r>
+          </a:p>
+        </p:txBody>
+      </p:sp>
+      <p:grpSp>
+        <p:nvGrpSpPr>
+          <p:cNvPr id="7" name="Group 6"/>
+          <p:cNvGrpSpPr/>
+          <p:nvPr/>
+        </p:nvGrpSpPr>
+        <p:grpSpPr>
+          <a:xfrm>
+            <a:off x="7010400" y="76200"/>
+            <a:ext cx="2016483" cy="762000"/>
+            <a:chOff x="6705600" y="76200"/>
+            <a:chExt cx="2321283" cy="990600"/>
+          </a:xfrm>
+        </p:grpSpPr>
+        <p:sp>
+          <p:nvSpPr>
+            <p:cNvPr id="8" name="Oval 7"/>
+            <p:cNvSpPr/>
+            <p:nvPr/>
+          </p:nvSpPr>
+          <p:spPr>
+            <a:xfrm>
+              <a:off x="6858000" y="130278"/>
+              <a:ext cx="2168883" cy="228600"/>
+            </a:xfrm>
+            <a:prstGeom prst="ellipse">
+              <a:avLst/>
+            </a:prstGeom>
+            <a:solidFill>
+              <a:srgbClr val="FFFFFF"/>
+            </a:solidFill>
+            <a:ln>
+              <a:noFill/>
+            </a:ln>
+          </p:spPr>
+          <p:style>
+            <a:lnRef idx="2">
+              <a:schemeClr val="accent1">
+                <a:shade val="50000"/>
+              </a:schemeClr>
+            </a:lnRef>
+            <a:fillRef idx="1">
+              <a:schemeClr val="accent1"/>
+            </a:fillRef>
+            <a:effectRef idx="0">
+              <a:schemeClr val="accent1"/>
+            </a:effectRef>
+            <a:fontRef idx="minor">
+              <a:schemeClr val="lt1"/>
+            </a:fontRef>
+          </p:style>
+          <p:txBody>
+            <a:bodyPr rtlCol="0" anchor="ctr"/>
+            <a:lstStyle/>
+            <a:p>
+              <a:pPr algn="ctr"/>
+              <a:endParaRPr lang="de-DE"/>
+            </a:p>
+          </p:txBody>
+        </p:sp>
+        <p:pic>
+          <p:nvPicPr>
+            <p:cNvPr id="9" name="Picture 2" descr="http://acoli.informatik.uni-frankfurt.de/img/acoli-lowres.png"/>
+            <p:cNvPicPr>
+              <a:picLocks noChangeAspect="1" noChangeArrowheads="1"/>
+            </p:cNvPicPr>
+            <p:nvPr/>
+          </p:nvPicPr>
+          <p:blipFill>
+            <a:blip r:embed="rId3" cstate="print">
+              <a:duotone>
+                <a:schemeClr val="accent1">
+                  <a:shade val="45000"/>
+                  <a:satMod val="135000"/>
+                </a:schemeClr>
+                <a:prstClr val="white"/>
+              </a:duotone>
+              <a:extLst>
+                <a:ext uri="{28A0092B-C50C-407E-A947-70E740481C1C}">
+                  <a14:useLocalDpi xmlns:a14="http://schemas.microsoft.com/office/drawing/2010/main" val="0"/>
+                </a:ext>
+              </a:extLst>
+            </a:blip>
+            <a:srcRect/>
+            <a:stretch>
+              <a:fillRect/>
+            </a:stretch>
+          </p:blipFill>
+          <p:spPr bwMode="auto">
+            <a:xfrm>
+              <a:off x="6705600" y="76200"/>
+              <a:ext cx="2321283" cy="990600"/>
+            </a:xfrm>
+            <a:prstGeom prst="rect">
+              <a:avLst/>
+            </a:prstGeom>
+            <a:noFill/>
+            <a:extLst>
+              <a:ext uri="{909E8E84-426E-40DD-AFC4-6F175D3DCCD1}">
+                <a14:hiddenFill xmlns:a14="http://schemas.microsoft.com/office/drawing/2010/main">
+                  <a:solidFill>
+                    <a:srgbClr val="FFFFFF"/>
+                  </a:solidFill>
+                </a14:hiddenFill>
+              </a:ext>
+            </a:extLst>
+          </p:spPr>
+        </p:pic>
+      </p:grpSp>
+    </p:spTree>
+    <p:extLst>
+      <p:ext uri="{BB962C8B-B14F-4D97-AF65-F5344CB8AC3E}">
+        <p14:creationId xmlns:p14="http://schemas.microsoft.com/office/powerpoint/2010/main" val="2881549963"/>
+      </p:ext>
+    </p:extLst>
+  </p:cSld>
+  <p:clrMapOvr>
+    <a:masterClrMapping/>
+  </p:clrMapOvr>
+</p:sld>
+</file>
+
+<file path=ppt/slides/slide59.xml><?xml version="1.0" encoding="utf-8"?>
+<p:sld xmlns:a="http://schemas.openxmlformats.org/drawingml/2006/main" xmlns:r="http://schemas.openxmlformats.org/officeDocument/2006/relationships" xmlns:p="http://schemas.openxmlformats.org/presentationml/2006/main">
+  <p:cSld>
+    <p:spTree>
+      <p:nvGrpSpPr>
+        <p:cNvPr id="1" name=""/>
+        <p:cNvGrpSpPr/>
+        <p:nvPr/>
+      </p:nvGrpSpPr>
+      <p:grpSpPr>
+        <a:xfrm>
+          <a:off x="0" y="0"/>
+          <a:ext cx="0" cy="0"/>
+          <a:chOff x="0" y="0"/>
+          <a:chExt cx="0" cy="0"/>
+        </a:xfrm>
+      </p:grpSpPr>
+      <p:sp>
+        <p:nvSpPr>
+          <p:cNvPr id="2" name="Title 1"/>
+          <p:cNvSpPr>
+            <a:spLocks noGrp="1"/>
+          </p:cNvSpPr>
+          <p:nvPr>
+            <p:ph type="title"/>
+          </p:nvPr>
+        </p:nvSpPr>
+        <p:spPr>
+          <a:xfrm>
+            <a:off x="457200" y="260350"/>
+            <a:ext cx="6400800" cy="1139825"/>
+          </a:xfrm>
+        </p:spPr>
+        <p:txBody>
+          <a:bodyPr/>
+          <a:lstStyle/>
+          <a:p>
+            <a:r>
+              <a:rPr lang="de-DE" dirty="0"/>
+              <a:t>Simplifications: Resource-specific embedding class</a:t>
+            </a:r>
+          </a:p>
+        </p:txBody>
+      </p:sp>
+      <p:sp>
+        <p:nvSpPr>
+          <p:cNvPr id="4" name="Slide Number Placeholder 3"/>
+          <p:cNvSpPr>
+            <a:spLocks noGrp="1"/>
+          </p:cNvSpPr>
+          <p:nvPr>
+            <p:ph type="sldNum" sz="quarter" idx="4"/>
+          </p:nvPr>
+        </p:nvSpPr>
+        <p:spPr>
+          <a:xfrm>
+            <a:off x="7010400" y="6400800"/>
+            <a:ext cx="2133600" cy="457200"/>
+          </a:xfrm>
+        </p:spPr>
+        <p:txBody>
+          <a:bodyPr/>
+          <a:lstStyle/>
+          <a:p>
+            <a:fld id="{DF4DF032-40E7-4198-BBCB-DA8E7ED0C5DD}" type="slidenum">
+              <a:rPr lang="de-DE" altLang="en-US" smtClean="0"/>
+              <a:pPr/>
+              <a:t>59</a:t>
+            </a:fld>
+            <a:endParaRPr lang="de-DE" altLang="en-US"/>
+          </a:p>
+        </p:txBody>
+      </p:sp>
+      <p:pic>
+        <p:nvPicPr>
+          <p:cNvPr id="7170" name="Picture 2"/>
+          <p:cNvPicPr>
+            <a:picLocks noChangeAspect="1" noChangeArrowheads="1"/>
+          </p:cNvPicPr>
+          <p:nvPr/>
+        </p:nvPicPr>
+        <p:blipFill>
+          <a:blip r:embed="rId2">
+            <a:extLst>
+              <a:ext uri="{28A0092B-C50C-407E-A947-70E740481C1C}">
+                <a14:useLocalDpi xmlns:a14="http://schemas.microsoft.com/office/drawing/2010/main" val="0"/>
+              </a:ext>
+            </a:extLst>
+          </a:blip>
+          <a:srcRect/>
+          <a:stretch>
+            <a:fillRect/>
+          </a:stretch>
+        </p:blipFill>
+        <p:spPr bwMode="auto">
+          <a:xfrm>
+            <a:off x="685800" y="1600200"/>
+            <a:ext cx="7768215" cy="4876800"/>
+          </a:xfrm>
+          <a:prstGeom prst="rect">
+            <a:avLst/>
+          </a:prstGeom>
+          <a:noFill/>
+          <a:ln>
+            <a:noFill/>
+          </a:ln>
+          <a:effectLst/>
+          <a:extLst>
+            <a:ext uri="{909E8E84-426E-40DD-AFC4-6F175D3DCCD1}">
+              <a14:hiddenFill xmlns:a14="http://schemas.microsoft.com/office/drawing/2010/main">
+                <a:solidFill>
+                  <a:schemeClr val="accent1"/>
+                </a:solidFill>
+              </a14:hiddenFill>
+            </a:ext>
+            <a:ext uri="{91240B29-F687-4F45-9708-019B960494DF}">
+              <a14:hiddenLine xmlns:a14="http://schemas.microsoft.com/office/drawing/2010/main" w="9525">
+                <a:solidFill>
+                  <a:schemeClr val="tx1"/>
+                </a:solidFill>
+                <a:miter lim="800000"/>
+                <a:headEnd/>
+                <a:tailEnd/>
+              </a14:hiddenLine>
+            </a:ext>
+            <a:ext uri="{AF507438-7753-43E0-B8FC-AC1667EBCBE1}">
+              <a14:hiddenEffects xmlns:a14="http://schemas.microsoft.com/office/drawing/2010/main">
+                <a:effectLst>
+                  <a:outerShdw dist="35921" dir="2700000" algn="ctr" rotWithShape="0">
+                    <a:schemeClr val="bg2"/>
+                  </a:outerShdw>
+                </a:effectLst>
+              </a14:hiddenEffects>
+            </a:ext>
+          </a:extLst>
+        </p:spPr>
+      </p:pic>
+      <p:grpSp>
+        <p:nvGrpSpPr>
+          <p:cNvPr id="10" name="Group 9"/>
+          <p:cNvGrpSpPr/>
+          <p:nvPr/>
+        </p:nvGrpSpPr>
+        <p:grpSpPr>
+          <a:xfrm>
+            <a:off x="7010400" y="76200"/>
+            <a:ext cx="2016483" cy="762000"/>
+            <a:chOff x="6705600" y="76200"/>
+            <a:chExt cx="2321283" cy="990600"/>
+          </a:xfrm>
+        </p:grpSpPr>
+        <p:sp>
+          <p:nvSpPr>
+            <p:cNvPr id="11" name="Oval 10"/>
+            <p:cNvSpPr/>
+            <p:nvPr/>
+          </p:nvSpPr>
+          <p:spPr>
+            <a:xfrm>
+              <a:off x="6858000" y="130278"/>
+              <a:ext cx="2168883" cy="228600"/>
+            </a:xfrm>
+            <a:prstGeom prst="ellipse">
+              <a:avLst/>
+            </a:prstGeom>
+            <a:solidFill>
+              <a:srgbClr val="FFFFFF"/>
+            </a:solidFill>
+            <a:ln>
+              <a:noFill/>
+            </a:ln>
+          </p:spPr>
+          <p:style>
+            <a:lnRef idx="2">
+              <a:schemeClr val="accent1">
+                <a:shade val="50000"/>
+              </a:schemeClr>
+            </a:lnRef>
+            <a:fillRef idx="1">
+              <a:schemeClr val="accent1"/>
+            </a:fillRef>
+            <a:effectRef idx="0">
+              <a:schemeClr val="accent1"/>
+            </a:effectRef>
+            <a:fontRef idx="minor">
+              <a:schemeClr val="lt1"/>
+            </a:fontRef>
+          </p:style>
+          <p:txBody>
+            <a:bodyPr rtlCol="0" anchor="ctr"/>
+            <a:lstStyle/>
+            <a:p>
+              <a:pPr algn="ctr"/>
+              <a:endParaRPr lang="de-DE"/>
+            </a:p>
+          </p:txBody>
+        </p:sp>
+        <p:pic>
+          <p:nvPicPr>
+            <p:cNvPr id="12" name="Picture 2" descr="http://acoli.informatik.uni-frankfurt.de/img/acoli-lowres.png"/>
+            <p:cNvPicPr>
+              <a:picLocks noChangeAspect="1" noChangeArrowheads="1"/>
+            </p:cNvPicPr>
+            <p:nvPr/>
+          </p:nvPicPr>
+          <p:blipFill>
+            <a:blip r:embed="rId3" cstate="print">
+              <a:duotone>
+                <a:schemeClr val="accent1">
+                  <a:shade val="45000"/>
+                  <a:satMod val="135000"/>
+                </a:schemeClr>
+                <a:prstClr val="white"/>
+              </a:duotone>
+              <a:extLst>
+                <a:ext uri="{28A0092B-C50C-407E-A947-70E740481C1C}">
+                  <a14:useLocalDpi xmlns:a14="http://schemas.microsoft.com/office/drawing/2010/main" val="0"/>
+                </a:ext>
+              </a:extLst>
+            </a:blip>
+            <a:srcRect/>
+            <a:stretch>
+              <a:fillRect/>
+            </a:stretch>
+          </p:blipFill>
+          <p:spPr bwMode="auto">
+            <a:xfrm>
+              <a:off x="6705600" y="76200"/>
+              <a:ext cx="2321283" cy="990600"/>
+            </a:xfrm>
+            <a:prstGeom prst="rect">
+              <a:avLst/>
+            </a:prstGeom>
+            <a:noFill/>
+            <a:extLst>
+              <a:ext uri="{909E8E84-426E-40DD-AFC4-6F175D3DCCD1}">
+                <a14:hiddenFill xmlns:a14="http://schemas.microsoft.com/office/drawing/2010/main">
+                  <a:solidFill>
+                    <a:srgbClr val="FFFFFF"/>
+                  </a:solidFill>
+                </a14:hiddenFill>
+              </a:ext>
+            </a:extLst>
+          </p:spPr>
+        </p:pic>
+      </p:grpSp>
+    </p:spTree>
+    <p:extLst>
+      <p:ext uri="{BB962C8B-B14F-4D97-AF65-F5344CB8AC3E}">
+        <p14:creationId xmlns:p14="http://schemas.microsoft.com/office/powerpoint/2010/main" val="1887634007"/>
       </p:ext>
     </p:extLst>
   </p:cSld>

--- a/doc/ontolex-f2f-leipzig-may2019.pptx
+++ b/doc/ontolex-f2f-leipzig-may2019.pptx
@@ -14390,7 +14390,7 @@
                 <a14:imgProps xmlns:a14="http://schemas.microsoft.com/office/drawing/2010/main">
                   <a14:imgLayer>
                     <a14:imgEffect>
-                      <a14:sharpenSoften amount="-25000"/>
+                      <a14:sharpenSoften amount="-50000"/>
                     </a14:imgEffect>
                   </a14:imgLayer>
                 </a14:imgProps>
